--- a/ssongman/ktds블로그_MultiCluster_그림.pptx
+++ b/ssongman/ktds블로그_MultiCluster_그림.pptx
@@ -12,8 +12,11 @@
     <p:sldId id="268" r:id="rId6"/>
     <p:sldId id="269" r:id="rId7"/>
     <p:sldId id="272" r:id="rId8"/>
-    <p:sldId id="273" r:id="rId9"/>
-    <p:sldId id="271" r:id="rId10"/>
+    <p:sldId id="276" r:id="rId9"/>
+    <p:sldId id="274" r:id="rId10"/>
+    <p:sldId id="277" r:id="rId11"/>
+    <p:sldId id="275" r:id="rId12"/>
+    <p:sldId id="271" r:id="rId13"/>
   </p:sldIdLst>
   <p:sldSz cx="12192000" cy="6858000"/>
   <p:notesSz cx="6858000" cy="9144000"/>
@@ -267,7 +270,7 @@
           <a:p>
             <a:fld id="{F2061FA1-80A0-42E6-89DB-655A47D67CF4}" type="datetimeFigureOut">
               <a:rPr lang="ko-KR" altLang="en-US" smtClean="0"/>
-              <a:t>2024-04-10</a:t>
+              <a:t>2024-04-30</a:t>
             </a:fld>
             <a:endParaRPr lang="ko-KR" altLang="en-US"/>
           </a:p>
@@ -465,7 +468,7 @@
           <a:p>
             <a:fld id="{F2061FA1-80A0-42E6-89DB-655A47D67CF4}" type="datetimeFigureOut">
               <a:rPr lang="ko-KR" altLang="en-US" smtClean="0"/>
-              <a:t>2024-04-10</a:t>
+              <a:t>2024-04-30</a:t>
             </a:fld>
             <a:endParaRPr lang="ko-KR" altLang="en-US"/>
           </a:p>
@@ -673,7 +676,7 @@
           <a:p>
             <a:fld id="{F2061FA1-80A0-42E6-89DB-655A47D67CF4}" type="datetimeFigureOut">
               <a:rPr lang="ko-KR" altLang="en-US" smtClean="0"/>
-              <a:t>2024-04-10</a:t>
+              <a:t>2024-04-30</a:t>
             </a:fld>
             <a:endParaRPr lang="ko-KR" altLang="en-US"/>
           </a:p>
@@ -871,7 +874,7 @@
           <a:p>
             <a:fld id="{F2061FA1-80A0-42E6-89DB-655A47D67CF4}" type="datetimeFigureOut">
               <a:rPr lang="ko-KR" altLang="en-US" smtClean="0"/>
-              <a:t>2024-04-10</a:t>
+              <a:t>2024-04-30</a:t>
             </a:fld>
             <a:endParaRPr lang="ko-KR" altLang="en-US"/>
           </a:p>
@@ -1146,7 +1149,7 @@
           <a:p>
             <a:fld id="{F2061FA1-80A0-42E6-89DB-655A47D67CF4}" type="datetimeFigureOut">
               <a:rPr lang="ko-KR" altLang="en-US" smtClean="0"/>
-              <a:t>2024-04-10</a:t>
+              <a:t>2024-04-30</a:t>
             </a:fld>
             <a:endParaRPr lang="ko-KR" altLang="en-US"/>
           </a:p>
@@ -1411,7 +1414,7 @@
           <a:p>
             <a:fld id="{F2061FA1-80A0-42E6-89DB-655A47D67CF4}" type="datetimeFigureOut">
               <a:rPr lang="ko-KR" altLang="en-US" smtClean="0"/>
-              <a:t>2024-04-10</a:t>
+              <a:t>2024-04-30</a:t>
             </a:fld>
             <a:endParaRPr lang="ko-KR" altLang="en-US"/>
           </a:p>
@@ -1823,7 +1826,7 @@
           <a:p>
             <a:fld id="{F2061FA1-80A0-42E6-89DB-655A47D67CF4}" type="datetimeFigureOut">
               <a:rPr lang="ko-KR" altLang="en-US" smtClean="0"/>
-              <a:t>2024-04-10</a:t>
+              <a:t>2024-04-30</a:t>
             </a:fld>
             <a:endParaRPr lang="ko-KR" altLang="en-US"/>
           </a:p>
@@ -1964,7 +1967,7 @@
           <a:p>
             <a:fld id="{F2061FA1-80A0-42E6-89DB-655A47D67CF4}" type="datetimeFigureOut">
               <a:rPr lang="ko-KR" altLang="en-US" smtClean="0"/>
-              <a:t>2024-04-10</a:t>
+              <a:t>2024-04-30</a:t>
             </a:fld>
             <a:endParaRPr lang="ko-KR" altLang="en-US"/>
           </a:p>
@@ -2077,7 +2080,7 @@
           <a:p>
             <a:fld id="{F2061FA1-80A0-42E6-89DB-655A47D67CF4}" type="datetimeFigureOut">
               <a:rPr lang="ko-KR" altLang="en-US" smtClean="0"/>
-              <a:t>2024-04-10</a:t>
+              <a:t>2024-04-30</a:t>
             </a:fld>
             <a:endParaRPr lang="ko-KR" altLang="en-US"/>
           </a:p>
@@ -2388,7 +2391,7 @@
           <a:p>
             <a:fld id="{F2061FA1-80A0-42E6-89DB-655A47D67CF4}" type="datetimeFigureOut">
               <a:rPr lang="ko-KR" altLang="en-US" smtClean="0"/>
-              <a:t>2024-04-10</a:t>
+              <a:t>2024-04-30</a:t>
             </a:fld>
             <a:endParaRPr lang="ko-KR" altLang="en-US"/>
           </a:p>
@@ -2676,7 +2679,7 @@
           <a:p>
             <a:fld id="{F2061FA1-80A0-42E6-89DB-655A47D67CF4}" type="datetimeFigureOut">
               <a:rPr lang="ko-KR" altLang="en-US" smtClean="0"/>
-              <a:t>2024-04-10</a:t>
+              <a:t>2024-04-30</a:t>
             </a:fld>
             <a:endParaRPr lang="ko-KR" altLang="en-US"/>
           </a:p>
@@ -2917,7 +2920,7 @@
           <a:p>
             <a:fld id="{F2061FA1-80A0-42E6-89DB-655A47D67CF4}" type="datetimeFigureOut">
               <a:rPr lang="ko-KR" altLang="en-US" smtClean="0"/>
-              <a:t>2024-04-10</a:t>
+              <a:t>2024-04-30</a:t>
             </a:fld>
             <a:endParaRPr lang="ko-KR" altLang="en-US"/>
           </a:p>
@@ -3397,6 +3400,1146 @@
 </p:sld>
 </file>
 
+<file path=ppt/slides/slide10.xml><?xml version="1.0" encoding="utf-8"?>
+<p:sld xmlns:a="http://schemas.openxmlformats.org/drawingml/2006/main" xmlns:r="http://schemas.openxmlformats.org/officeDocument/2006/relationships" xmlns:p="http://schemas.openxmlformats.org/presentationml/2006/main">
+  <p:cSld>
+    <p:spTree>
+      <p:nvGrpSpPr>
+        <p:cNvPr id="1" name=""/>
+        <p:cNvGrpSpPr/>
+        <p:nvPr/>
+      </p:nvGrpSpPr>
+      <p:grpSpPr>
+        <a:xfrm>
+          <a:off x="0" y="0"/>
+          <a:ext cx="0" cy="0"/>
+          <a:chOff x="0" y="0"/>
+          <a:chExt cx="0" cy="0"/>
+        </a:xfrm>
+      </p:grpSpPr>
+      <p:sp>
+        <p:nvSpPr>
+          <p:cNvPr id="81" name="TextBox 80">
+            <a:extLst>
+              <a:ext uri="{FF2B5EF4-FFF2-40B4-BE49-F238E27FC236}">
+                <a16:creationId xmlns:a16="http://schemas.microsoft.com/office/drawing/2014/main" id="{9E1B6C9D-24FF-28AE-0B8F-E28DFD959D20}"/>
+              </a:ext>
+            </a:extLst>
+          </p:cNvPr>
+          <p:cNvSpPr txBox="1"/>
+          <p:nvPr/>
+        </p:nvSpPr>
+        <p:spPr>
+          <a:xfrm>
+            <a:off x="1351182" y="1675565"/>
+            <a:ext cx="4244495" cy="369332"/>
+          </a:xfrm>
+          <a:prstGeom prst="rect">
+            <a:avLst/>
+          </a:prstGeom>
+          <a:noFill/>
+        </p:spPr>
+        <p:txBody>
+          <a:bodyPr wrap="none" rtlCol="0">
+            <a:spAutoFit/>
+          </a:bodyPr>
+          <a:lstStyle/>
+          <a:p>
+            <a:r>
+              <a:rPr lang="en-US" altLang="ko-KR" b="1" dirty="0"/>
+              <a:t>&lt; Cluster Service </a:t>
+            </a:r>
+            <a:r>
+              <a:rPr lang="ko-KR" altLang="en-US" b="1" dirty="0"/>
+              <a:t>별 </a:t>
+            </a:r>
+            <a:r>
+              <a:rPr lang="en-US" altLang="ko-KR" b="1" dirty="0"/>
+              <a:t>Routing </a:t>
+            </a:r>
+            <a:r>
+              <a:rPr lang="ko-KR" altLang="en-US" b="1" dirty="0"/>
+              <a:t>설정</a:t>
+            </a:r>
+            <a:r>
+              <a:rPr lang="en-US" altLang="ko-KR" b="1" dirty="0"/>
+              <a:t> &gt;</a:t>
+            </a:r>
+            <a:endParaRPr lang="ko-KR" altLang="en-US" b="1" dirty="0"/>
+          </a:p>
+        </p:txBody>
+      </p:sp>
+      <p:sp>
+        <p:nvSpPr>
+          <p:cNvPr id="5" name="직사각형 4">
+            <a:extLst>
+              <a:ext uri="{FF2B5EF4-FFF2-40B4-BE49-F238E27FC236}">
+                <a16:creationId xmlns:a16="http://schemas.microsoft.com/office/drawing/2014/main" id="{AD465290-AD61-2F81-F9D7-15BF14FF5D49}"/>
+              </a:ext>
+            </a:extLst>
+          </p:cNvPr>
+          <p:cNvSpPr/>
+          <p:nvPr/>
+        </p:nvSpPr>
+        <p:spPr>
+          <a:xfrm>
+            <a:off x="6467760" y="2309381"/>
+            <a:ext cx="4178881" cy="3431020"/>
+          </a:xfrm>
+          <a:prstGeom prst="rect">
+            <a:avLst/>
+          </a:prstGeom>
+          <a:ln w="12700"/>
+        </p:spPr>
+        <p:style>
+          <a:lnRef idx="2">
+            <a:schemeClr val="dk1"/>
+          </a:lnRef>
+          <a:fillRef idx="1">
+            <a:schemeClr val="lt1"/>
+          </a:fillRef>
+          <a:effectRef idx="0">
+            <a:schemeClr val="dk1"/>
+          </a:effectRef>
+          <a:fontRef idx="minor">
+            <a:schemeClr val="dk1"/>
+          </a:fontRef>
+        </p:style>
+        <p:txBody>
+          <a:bodyPr rtlCol="0" anchor="ctr"/>
+          <a:lstStyle/>
+          <a:p>
+            <a:pPr algn="ctr"/>
+            <a:endParaRPr lang="ko-KR" altLang="en-US" sz="900" b="1" dirty="0"/>
+          </a:p>
+        </p:txBody>
+      </p:sp>
+      <p:sp>
+        <p:nvSpPr>
+          <p:cNvPr id="6" name="직사각형 5">
+            <a:extLst>
+              <a:ext uri="{FF2B5EF4-FFF2-40B4-BE49-F238E27FC236}">
+                <a16:creationId xmlns:a16="http://schemas.microsoft.com/office/drawing/2014/main" id="{E1387842-DBDA-DFDC-063D-C89BD9A25A07}"/>
+              </a:ext>
+            </a:extLst>
+          </p:cNvPr>
+          <p:cNvSpPr/>
+          <p:nvPr/>
+        </p:nvSpPr>
+        <p:spPr>
+          <a:xfrm>
+            <a:off x="1459132" y="2309380"/>
+            <a:ext cx="4291777" cy="3431020"/>
+          </a:xfrm>
+          <a:prstGeom prst="rect">
+            <a:avLst/>
+          </a:prstGeom>
+          <a:ln w="12700"/>
+        </p:spPr>
+        <p:style>
+          <a:lnRef idx="2">
+            <a:schemeClr val="dk1"/>
+          </a:lnRef>
+          <a:fillRef idx="1">
+            <a:schemeClr val="lt1"/>
+          </a:fillRef>
+          <a:effectRef idx="0">
+            <a:schemeClr val="dk1"/>
+          </a:effectRef>
+          <a:fontRef idx="minor">
+            <a:schemeClr val="dk1"/>
+          </a:fontRef>
+        </p:style>
+        <p:txBody>
+          <a:bodyPr rtlCol="0" anchor="ctr"/>
+          <a:lstStyle/>
+          <a:p>
+            <a:pPr algn="ctr"/>
+            <a:endParaRPr lang="ko-KR" altLang="en-US" sz="900" b="1" dirty="0"/>
+          </a:p>
+        </p:txBody>
+      </p:sp>
+      <p:sp>
+        <p:nvSpPr>
+          <p:cNvPr id="7" name="직사각형 6">
+            <a:extLst>
+              <a:ext uri="{FF2B5EF4-FFF2-40B4-BE49-F238E27FC236}">
+                <a16:creationId xmlns:a16="http://schemas.microsoft.com/office/drawing/2014/main" id="{4D000D24-6D01-925B-CA71-5E49DC3DAEB0}"/>
+              </a:ext>
+            </a:extLst>
+          </p:cNvPr>
+          <p:cNvSpPr/>
+          <p:nvPr/>
+        </p:nvSpPr>
+        <p:spPr>
+          <a:xfrm>
+            <a:off x="2797180" y="2647549"/>
+            <a:ext cx="1541616" cy="445455"/>
+          </a:xfrm>
+          <a:prstGeom prst="rect">
+            <a:avLst/>
+          </a:prstGeom>
+          <a:solidFill>
+            <a:schemeClr val="accent3">
+              <a:lumMod val="20000"/>
+              <a:lumOff val="80000"/>
+            </a:schemeClr>
+          </a:solidFill>
+        </p:spPr>
+        <p:style>
+          <a:lnRef idx="2">
+            <a:schemeClr val="dk1"/>
+          </a:lnRef>
+          <a:fillRef idx="1">
+            <a:schemeClr val="lt1"/>
+          </a:fillRef>
+          <a:effectRef idx="0">
+            <a:schemeClr val="dk1"/>
+          </a:effectRef>
+          <a:fontRef idx="minor">
+            <a:schemeClr val="dk1"/>
+          </a:fontRef>
+        </p:style>
+        <p:txBody>
+          <a:bodyPr rtlCol="0" anchor="ctr"/>
+          <a:lstStyle/>
+          <a:p>
+            <a:pPr algn="ctr"/>
+            <a:r>
+              <a:rPr lang="en-US" altLang="ko-KR" sz="1200" b="1" dirty="0"/>
+              <a:t>frontend</a:t>
+            </a:r>
+            <a:endParaRPr lang="ko-KR" altLang="en-US" sz="1200" dirty="0"/>
+          </a:p>
+        </p:txBody>
+      </p:sp>
+      <p:sp>
+        <p:nvSpPr>
+          <p:cNvPr id="19" name="직사각형 18">
+            <a:extLst>
+              <a:ext uri="{FF2B5EF4-FFF2-40B4-BE49-F238E27FC236}">
+                <a16:creationId xmlns:a16="http://schemas.microsoft.com/office/drawing/2014/main" id="{E3313498-30CB-52CB-39F9-E3BB6C22650E}"/>
+              </a:ext>
+            </a:extLst>
+          </p:cNvPr>
+          <p:cNvSpPr/>
+          <p:nvPr/>
+        </p:nvSpPr>
+        <p:spPr>
+          <a:xfrm>
+            <a:off x="2797180" y="3764997"/>
+            <a:ext cx="1541617" cy="445455"/>
+          </a:xfrm>
+          <a:prstGeom prst="rect">
+            <a:avLst/>
+          </a:prstGeom>
+          <a:solidFill>
+            <a:schemeClr val="accent5">
+              <a:lumMod val="20000"/>
+              <a:lumOff val="80000"/>
+            </a:schemeClr>
+          </a:solidFill>
+        </p:spPr>
+        <p:style>
+          <a:lnRef idx="2">
+            <a:schemeClr val="dk1"/>
+          </a:lnRef>
+          <a:fillRef idx="1">
+            <a:schemeClr val="lt1"/>
+          </a:fillRef>
+          <a:effectRef idx="0">
+            <a:schemeClr val="dk1"/>
+          </a:effectRef>
+          <a:fontRef idx="minor">
+            <a:schemeClr val="dk1"/>
+          </a:fontRef>
+        </p:style>
+        <p:txBody>
+          <a:bodyPr rtlCol="0" anchor="ctr"/>
+          <a:lstStyle/>
+          <a:p>
+            <a:pPr algn="ctr"/>
+            <a:r>
+              <a:rPr lang="en-US" altLang="ko-KR" sz="1200" b="1" dirty="0"/>
+              <a:t>Backend Service</a:t>
+            </a:r>
+            <a:endParaRPr lang="ko-KR" altLang="en-US" sz="1200" dirty="0"/>
+          </a:p>
+        </p:txBody>
+      </p:sp>
+      <p:sp>
+        <p:nvSpPr>
+          <p:cNvPr id="20" name="직사각형 19">
+            <a:extLst>
+              <a:ext uri="{FF2B5EF4-FFF2-40B4-BE49-F238E27FC236}">
+                <a16:creationId xmlns:a16="http://schemas.microsoft.com/office/drawing/2014/main" id="{BA13B296-4A9F-83EA-69DB-FEA0FD843959}"/>
+              </a:ext>
+            </a:extLst>
+          </p:cNvPr>
+          <p:cNvSpPr/>
+          <p:nvPr/>
+        </p:nvSpPr>
+        <p:spPr>
+          <a:xfrm>
+            <a:off x="1809137" y="4882445"/>
+            <a:ext cx="1541617" cy="445455"/>
+          </a:xfrm>
+          <a:prstGeom prst="rect">
+            <a:avLst/>
+          </a:prstGeom>
+          <a:solidFill>
+            <a:schemeClr val="accent5">
+              <a:lumMod val="20000"/>
+              <a:lumOff val="80000"/>
+            </a:schemeClr>
+          </a:solidFill>
+        </p:spPr>
+        <p:style>
+          <a:lnRef idx="2">
+            <a:schemeClr val="dk1"/>
+          </a:lnRef>
+          <a:fillRef idx="1">
+            <a:schemeClr val="lt1"/>
+          </a:fillRef>
+          <a:effectRef idx="0">
+            <a:schemeClr val="dk1"/>
+          </a:effectRef>
+          <a:fontRef idx="minor">
+            <a:schemeClr val="dk1"/>
+          </a:fontRef>
+        </p:style>
+        <p:txBody>
+          <a:bodyPr rtlCol="0" anchor="ctr"/>
+          <a:lstStyle/>
+          <a:p>
+            <a:pPr algn="ctr"/>
+            <a:r>
+              <a:rPr lang="en-US" altLang="ko-KR" sz="1200" b="1" dirty="0"/>
+              <a:t>backend-pod-1</a:t>
+            </a:r>
+          </a:p>
+          <a:p>
+            <a:pPr algn="ctr"/>
+            <a:r>
+              <a:rPr lang="en-US" altLang="ko-KR" sz="1200" b="1" dirty="0"/>
+              <a:t>10.0.0.1</a:t>
+            </a:r>
+            <a:endParaRPr lang="ko-KR" altLang="en-US" sz="1200" dirty="0"/>
+          </a:p>
+        </p:txBody>
+      </p:sp>
+      <p:sp>
+        <p:nvSpPr>
+          <p:cNvPr id="21" name="직사각형 20">
+            <a:extLst>
+              <a:ext uri="{FF2B5EF4-FFF2-40B4-BE49-F238E27FC236}">
+                <a16:creationId xmlns:a16="http://schemas.microsoft.com/office/drawing/2014/main" id="{27B5E20E-E132-E8BF-72BB-4667E9B5179A}"/>
+              </a:ext>
+            </a:extLst>
+          </p:cNvPr>
+          <p:cNvSpPr/>
+          <p:nvPr/>
+        </p:nvSpPr>
+        <p:spPr>
+          <a:xfrm>
+            <a:off x="3883414" y="4882444"/>
+            <a:ext cx="1541617" cy="445455"/>
+          </a:xfrm>
+          <a:prstGeom prst="rect">
+            <a:avLst/>
+          </a:prstGeom>
+          <a:solidFill>
+            <a:schemeClr val="accent5">
+              <a:lumMod val="20000"/>
+              <a:lumOff val="80000"/>
+            </a:schemeClr>
+          </a:solidFill>
+        </p:spPr>
+        <p:style>
+          <a:lnRef idx="2">
+            <a:schemeClr val="dk1"/>
+          </a:lnRef>
+          <a:fillRef idx="1">
+            <a:schemeClr val="lt1"/>
+          </a:fillRef>
+          <a:effectRef idx="0">
+            <a:schemeClr val="dk1"/>
+          </a:effectRef>
+          <a:fontRef idx="minor">
+            <a:schemeClr val="dk1"/>
+          </a:fontRef>
+        </p:style>
+        <p:txBody>
+          <a:bodyPr rtlCol="0" anchor="ctr"/>
+          <a:lstStyle/>
+          <a:p>
+            <a:pPr algn="ctr"/>
+            <a:r>
+              <a:rPr lang="en-US" altLang="ko-KR" sz="1200" b="1" dirty="0"/>
+              <a:t>backend-pod-2</a:t>
+            </a:r>
+          </a:p>
+          <a:p>
+            <a:pPr algn="ctr"/>
+            <a:r>
+              <a:rPr lang="en-US" altLang="ko-KR" sz="1200" b="1" dirty="0"/>
+              <a:t>10.0.0.2</a:t>
+            </a:r>
+            <a:endParaRPr lang="ko-KR" altLang="en-US" sz="1200" dirty="0"/>
+          </a:p>
+        </p:txBody>
+      </p:sp>
+      <p:cxnSp>
+        <p:nvCxnSpPr>
+          <p:cNvPr id="22" name="직선 화살표 연결선 21">
+            <a:extLst>
+              <a:ext uri="{FF2B5EF4-FFF2-40B4-BE49-F238E27FC236}">
+                <a16:creationId xmlns:a16="http://schemas.microsoft.com/office/drawing/2014/main" id="{8501CFEB-8FE0-EE74-61AA-6875ED3A0F51}"/>
+              </a:ext>
+            </a:extLst>
+          </p:cNvPr>
+          <p:cNvCxnSpPr>
+            <a:cxnSpLocks/>
+            <a:stCxn id="7" idx="2"/>
+            <a:endCxn id="19" idx="0"/>
+          </p:cNvCxnSpPr>
+          <p:nvPr/>
+        </p:nvCxnSpPr>
+        <p:spPr>
+          <a:xfrm>
+            <a:off x="3567988" y="3093004"/>
+            <a:ext cx="1" cy="671993"/>
+          </a:xfrm>
+          <a:prstGeom prst="straightConnector1">
+            <a:avLst/>
+          </a:prstGeom>
+          <a:ln w="19050">
+            <a:tailEnd type="triangle"/>
+          </a:ln>
+        </p:spPr>
+        <p:style>
+          <a:lnRef idx="2">
+            <a:schemeClr val="dk1"/>
+          </a:lnRef>
+          <a:fillRef idx="0">
+            <a:schemeClr val="dk1"/>
+          </a:fillRef>
+          <a:effectRef idx="1">
+            <a:schemeClr val="dk1"/>
+          </a:effectRef>
+          <a:fontRef idx="minor">
+            <a:schemeClr val="tx1"/>
+          </a:fontRef>
+        </p:style>
+      </p:cxnSp>
+      <p:cxnSp>
+        <p:nvCxnSpPr>
+          <p:cNvPr id="23" name="연결선: 꺾임 22">
+            <a:extLst>
+              <a:ext uri="{FF2B5EF4-FFF2-40B4-BE49-F238E27FC236}">
+                <a16:creationId xmlns:a16="http://schemas.microsoft.com/office/drawing/2014/main" id="{856FD10B-7BB3-F1C4-2D37-33CE5F85A120}"/>
+              </a:ext>
+            </a:extLst>
+          </p:cNvPr>
+          <p:cNvCxnSpPr>
+            <a:stCxn id="19" idx="2"/>
+            <a:endCxn id="20" idx="0"/>
+          </p:cNvCxnSpPr>
+          <p:nvPr/>
+        </p:nvCxnSpPr>
+        <p:spPr>
+          <a:xfrm rot="5400000">
+            <a:off x="2737972" y="4052427"/>
+            <a:ext cx="671993" cy="988043"/>
+          </a:xfrm>
+          <a:prstGeom prst="bentConnector3">
+            <a:avLst/>
+          </a:prstGeom>
+          <a:ln>
+            <a:solidFill>
+              <a:schemeClr val="tx1"/>
+            </a:solidFill>
+            <a:tailEnd type="triangle"/>
+          </a:ln>
+        </p:spPr>
+        <p:style>
+          <a:lnRef idx="2">
+            <a:schemeClr val="accent1"/>
+          </a:lnRef>
+          <a:fillRef idx="0">
+            <a:schemeClr val="accent1"/>
+          </a:fillRef>
+          <a:effectRef idx="1">
+            <a:schemeClr val="accent1"/>
+          </a:effectRef>
+          <a:fontRef idx="minor">
+            <a:schemeClr val="tx1"/>
+          </a:fontRef>
+        </p:style>
+      </p:cxnSp>
+      <p:cxnSp>
+        <p:nvCxnSpPr>
+          <p:cNvPr id="24" name="연결선: 꺾임 23">
+            <a:extLst>
+              <a:ext uri="{FF2B5EF4-FFF2-40B4-BE49-F238E27FC236}">
+                <a16:creationId xmlns:a16="http://schemas.microsoft.com/office/drawing/2014/main" id="{5B9B80B4-917B-4C59-0290-0300DC809940}"/>
+              </a:ext>
+            </a:extLst>
+          </p:cNvPr>
+          <p:cNvCxnSpPr>
+            <a:cxnSpLocks/>
+            <a:stCxn id="19" idx="2"/>
+            <a:endCxn id="21" idx="0"/>
+          </p:cNvCxnSpPr>
+          <p:nvPr/>
+        </p:nvCxnSpPr>
+        <p:spPr>
+          <a:xfrm rot="16200000" flipH="1">
+            <a:off x="3775110" y="4003331"/>
+            <a:ext cx="671992" cy="1086234"/>
+          </a:xfrm>
+          <a:prstGeom prst="bentConnector3">
+            <a:avLst>
+              <a:gd name="adj1" fmla="val 50000"/>
+            </a:avLst>
+          </a:prstGeom>
+          <a:ln>
+            <a:solidFill>
+              <a:schemeClr val="tx1"/>
+            </a:solidFill>
+            <a:tailEnd type="triangle"/>
+          </a:ln>
+        </p:spPr>
+        <p:style>
+          <a:lnRef idx="2">
+            <a:schemeClr val="accent1"/>
+          </a:lnRef>
+          <a:fillRef idx="0">
+            <a:schemeClr val="accent1"/>
+          </a:fillRef>
+          <a:effectRef idx="1">
+            <a:schemeClr val="accent1"/>
+          </a:effectRef>
+          <a:fontRef idx="minor">
+            <a:schemeClr val="tx1"/>
+          </a:fontRef>
+        </p:style>
+      </p:cxnSp>
+      <p:sp>
+        <p:nvSpPr>
+          <p:cNvPr id="28" name="직사각형 27">
+            <a:extLst>
+              <a:ext uri="{FF2B5EF4-FFF2-40B4-BE49-F238E27FC236}">
+                <a16:creationId xmlns:a16="http://schemas.microsoft.com/office/drawing/2014/main" id="{66F518B3-4CAC-0D0D-63A5-D2B1FC6E0A73}"/>
+              </a:ext>
+            </a:extLst>
+          </p:cNvPr>
+          <p:cNvSpPr/>
+          <p:nvPr/>
+        </p:nvSpPr>
+        <p:spPr>
+          <a:xfrm>
+            <a:off x="7755012" y="3764997"/>
+            <a:ext cx="1541617" cy="445455"/>
+          </a:xfrm>
+          <a:prstGeom prst="rect">
+            <a:avLst/>
+          </a:prstGeom>
+          <a:solidFill>
+            <a:schemeClr val="accent5">
+              <a:lumMod val="20000"/>
+              <a:lumOff val="80000"/>
+            </a:schemeClr>
+          </a:solidFill>
+        </p:spPr>
+        <p:style>
+          <a:lnRef idx="2">
+            <a:schemeClr val="dk1"/>
+          </a:lnRef>
+          <a:fillRef idx="1">
+            <a:schemeClr val="lt1"/>
+          </a:fillRef>
+          <a:effectRef idx="0">
+            <a:schemeClr val="dk1"/>
+          </a:effectRef>
+          <a:fontRef idx="minor">
+            <a:schemeClr val="dk1"/>
+          </a:fontRef>
+        </p:style>
+        <p:txBody>
+          <a:bodyPr rtlCol="0" anchor="ctr"/>
+          <a:lstStyle/>
+          <a:p>
+            <a:pPr algn="ctr"/>
+            <a:r>
+              <a:rPr lang="en-US" altLang="ko-KR" sz="1200" b="1" dirty="0"/>
+              <a:t>Backend Service</a:t>
+            </a:r>
+            <a:endParaRPr lang="ko-KR" altLang="en-US" sz="1200" dirty="0"/>
+          </a:p>
+        </p:txBody>
+      </p:sp>
+      <p:sp>
+        <p:nvSpPr>
+          <p:cNvPr id="29" name="직사각형 28">
+            <a:extLst>
+              <a:ext uri="{FF2B5EF4-FFF2-40B4-BE49-F238E27FC236}">
+                <a16:creationId xmlns:a16="http://schemas.microsoft.com/office/drawing/2014/main" id="{1F7CB7FF-9926-B36D-0CBB-CC77519A34DA}"/>
+              </a:ext>
+            </a:extLst>
+          </p:cNvPr>
+          <p:cNvSpPr/>
+          <p:nvPr/>
+        </p:nvSpPr>
+        <p:spPr>
+          <a:xfrm>
+            <a:off x="6766969" y="4882445"/>
+            <a:ext cx="1541617" cy="445455"/>
+          </a:xfrm>
+          <a:prstGeom prst="rect">
+            <a:avLst/>
+          </a:prstGeom>
+          <a:solidFill>
+            <a:schemeClr val="accent5">
+              <a:lumMod val="20000"/>
+              <a:lumOff val="80000"/>
+            </a:schemeClr>
+          </a:solidFill>
+        </p:spPr>
+        <p:style>
+          <a:lnRef idx="2">
+            <a:schemeClr val="dk1"/>
+          </a:lnRef>
+          <a:fillRef idx="1">
+            <a:schemeClr val="lt1"/>
+          </a:fillRef>
+          <a:effectRef idx="0">
+            <a:schemeClr val="dk1"/>
+          </a:effectRef>
+          <a:fontRef idx="minor">
+            <a:schemeClr val="dk1"/>
+          </a:fontRef>
+        </p:style>
+        <p:txBody>
+          <a:bodyPr rtlCol="0" anchor="ctr"/>
+          <a:lstStyle/>
+          <a:p>
+            <a:pPr algn="ctr"/>
+            <a:r>
+              <a:rPr lang="en-US" altLang="ko-KR" sz="1200" b="1" dirty="0"/>
+              <a:t>backend-pod-1</a:t>
+            </a:r>
+          </a:p>
+          <a:p>
+            <a:pPr algn="ctr"/>
+            <a:r>
+              <a:rPr lang="en-US" altLang="ko-KR" sz="1200" b="1" dirty="0"/>
+              <a:t>10.1.0.1</a:t>
+            </a:r>
+            <a:endParaRPr lang="ko-KR" altLang="en-US" sz="1200" dirty="0"/>
+          </a:p>
+        </p:txBody>
+      </p:sp>
+      <p:sp>
+        <p:nvSpPr>
+          <p:cNvPr id="30" name="직사각형 29">
+            <a:extLst>
+              <a:ext uri="{FF2B5EF4-FFF2-40B4-BE49-F238E27FC236}">
+                <a16:creationId xmlns:a16="http://schemas.microsoft.com/office/drawing/2014/main" id="{13165C8D-3ABD-FA15-C170-AB12C6E89B50}"/>
+              </a:ext>
+            </a:extLst>
+          </p:cNvPr>
+          <p:cNvSpPr/>
+          <p:nvPr/>
+        </p:nvSpPr>
+        <p:spPr>
+          <a:xfrm>
+            <a:off x="8841246" y="4882444"/>
+            <a:ext cx="1541617" cy="445455"/>
+          </a:xfrm>
+          <a:prstGeom prst="rect">
+            <a:avLst/>
+          </a:prstGeom>
+          <a:solidFill>
+            <a:schemeClr val="accent5">
+              <a:lumMod val="20000"/>
+              <a:lumOff val="80000"/>
+            </a:schemeClr>
+          </a:solidFill>
+        </p:spPr>
+        <p:style>
+          <a:lnRef idx="2">
+            <a:schemeClr val="dk1"/>
+          </a:lnRef>
+          <a:fillRef idx="1">
+            <a:schemeClr val="lt1"/>
+          </a:fillRef>
+          <a:effectRef idx="0">
+            <a:schemeClr val="dk1"/>
+          </a:effectRef>
+          <a:fontRef idx="minor">
+            <a:schemeClr val="dk1"/>
+          </a:fontRef>
+        </p:style>
+        <p:txBody>
+          <a:bodyPr rtlCol="0" anchor="ctr"/>
+          <a:lstStyle/>
+          <a:p>
+            <a:pPr algn="ctr"/>
+            <a:r>
+              <a:rPr lang="en-US" altLang="ko-KR" sz="1200" b="1" dirty="0"/>
+              <a:t>backend-pod-2</a:t>
+            </a:r>
+          </a:p>
+          <a:p>
+            <a:pPr algn="ctr"/>
+            <a:r>
+              <a:rPr lang="en-US" altLang="ko-KR" sz="1200" b="1" dirty="0"/>
+              <a:t>10.1.0.2</a:t>
+            </a:r>
+            <a:endParaRPr lang="ko-KR" altLang="en-US" sz="1200" dirty="0"/>
+          </a:p>
+        </p:txBody>
+      </p:sp>
+      <p:cxnSp>
+        <p:nvCxnSpPr>
+          <p:cNvPr id="33" name="연결선: 꺾임 32">
+            <a:extLst>
+              <a:ext uri="{FF2B5EF4-FFF2-40B4-BE49-F238E27FC236}">
+                <a16:creationId xmlns:a16="http://schemas.microsoft.com/office/drawing/2014/main" id="{08D3A46F-81A8-4B8E-CD44-469ACA83A02E}"/>
+              </a:ext>
+            </a:extLst>
+          </p:cNvPr>
+          <p:cNvCxnSpPr>
+            <a:cxnSpLocks/>
+            <a:stCxn id="28" idx="2"/>
+            <a:endCxn id="21" idx="0"/>
+          </p:cNvCxnSpPr>
+          <p:nvPr/>
+        </p:nvCxnSpPr>
+        <p:spPr>
+          <a:xfrm rot="5400000">
+            <a:off x="6254026" y="2610649"/>
+            <a:ext cx="671992" cy="3871598"/>
+          </a:xfrm>
+          <a:prstGeom prst="bentConnector3">
+            <a:avLst>
+              <a:gd name="adj1" fmla="val 50000"/>
+            </a:avLst>
+          </a:prstGeom>
+          <a:ln>
+            <a:solidFill>
+              <a:schemeClr val="tx1"/>
+            </a:solidFill>
+            <a:tailEnd type="triangle"/>
+          </a:ln>
+        </p:spPr>
+        <p:style>
+          <a:lnRef idx="2">
+            <a:schemeClr val="accent1"/>
+          </a:lnRef>
+          <a:fillRef idx="0">
+            <a:schemeClr val="accent1"/>
+          </a:fillRef>
+          <a:effectRef idx="1">
+            <a:schemeClr val="accent1"/>
+          </a:effectRef>
+          <a:fontRef idx="minor">
+            <a:schemeClr val="tx1"/>
+          </a:fontRef>
+        </p:style>
+      </p:cxnSp>
+      <p:sp>
+        <p:nvSpPr>
+          <p:cNvPr id="35" name="직사각형 34">
+            <a:extLst>
+              <a:ext uri="{FF2B5EF4-FFF2-40B4-BE49-F238E27FC236}">
+                <a16:creationId xmlns:a16="http://schemas.microsoft.com/office/drawing/2014/main" id="{371E08F6-E9E2-E321-3979-2DAB127E9E8E}"/>
+              </a:ext>
+            </a:extLst>
+          </p:cNvPr>
+          <p:cNvSpPr/>
+          <p:nvPr/>
+        </p:nvSpPr>
+        <p:spPr>
+          <a:xfrm>
+            <a:off x="6468263" y="2310192"/>
+            <a:ext cx="845127" cy="285750"/>
+          </a:xfrm>
+          <a:prstGeom prst="rect">
+            <a:avLst/>
+          </a:prstGeom>
+          <a:solidFill>
+            <a:schemeClr val="bg1">
+              <a:lumMod val="85000"/>
+            </a:schemeClr>
+          </a:solidFill>
+          <a:ln w="12700"/>
+        </p:spPr>
+        <p:style>
+          <a:lnRef idx="2">
+            <a:schemeClr val="dk1"/>
+          </a:lnRef>
+          <a:fillRef idx="1">
+            <a:schemeClr val="lt1"/>
+          </a:fillRef>
+          <a:effectRef idx="0">
+            <a:schemeClr val="dk1"/>
+          </a:effectRef>
+          <a:fontRef idx="minor">
+            <a:schemeClr val="dk1"/>
+          </a:fontRef>
+        </p:style>
+        <p:txBody>
+          <a:bodyPr rtlCol="0" anchor="ctr"/>
+          <a:lstStyle/>
+          <a:p>
+            <a:pPr algn="ctr"/>
+            <a:r>
+              <a:rPr lang="en-US" altLang="ko-KR" sz="900" b="1" dirty="0"/>
+              <a:t>Cluster2</a:t>
+            </a:r>
+            <a:endParaRPr lang="ko-KR" altLang="en-US" sz="900" b="1" dirty="0"/>
+          </a:p>
+        </p:txBody>
+      </p:sp>
+      <p:sp>
+        <p:nvSpPr>
+          <p:cNvPr id="36" name="직사각형 35">
+            <a:extLst>
+              <a:ext uri="{FF2B5EF4-FFF2-40B4-BE49-F238E27FC236}">
+                <a16:creationId xmlns:a16="http://schemas.microsoft.com/office/drawing/2014/main" id="{914CCCE7-9A05-30EA-2CDE-332983A43D93}"/>
+              </a:ext>
+            </a:extLst>
+          </p:cNvPr>
+          <p:cNvSpPr/>
+          <p:nvPr/>
+        </p:nvSpPr>
+        <p:spPr>
+          <a:xfrm>
+            <a:off x="1459635" y="2310192"/>
+            <a:ext cx="845127" cy="285750"/>
+          </a:xfrm>
+          <a:prstGeom prst="rect">
+            <a:avLst/>
+          </a:prstGeom>
+          <a:solidFill>
+            <a:schemeClr val="bg1">
+              <a:lumMod val="85000"/>
+            </a:schemeClr>
+          </a:solidFill>
+          <a:ln w="12700"/>
+        </p:spPr>
+        <p:style>
+          <a:lnRef idx="2">
+            <a:schemeClr val="dk1"/>
+          </a:lnRef>
+          <a:fillRef idx="1">
+            <a:schemeClr val="lt1"/>
+          </a:fillRef>
+          <a:effectRef idx="0">
+            <a:schemeClr val="dk1"/>
+          </a:effectRef>
+          <a:fontRef idx="minor">
+            <a:schemeClr val="dk1"/>
+          </a:fontRef>
+        </p:style>
+        <p:txBody>
+          <a:bodyPr rtlCol="0" anchor="ctr"/>
+          <a:lstStyle/>
+          <a:p>
+            <a:pPr algn="ctr"/>
+            <a:r>
+              <a:rPr lang="en-US" altLang="ko-KR" sz="900" b="1" dirty="0"/>
+              <a:t>Cluster1</a:t>
+            </a:r>
+            <a:endParaRPr lang="ko-KR" altLang="en-US" sz="900" b="1" dirty="0"/>
+          </a:p>
+        </p:txBody>
+      </p:sp>
+      <p:sp>
+        <p:nvSpPr>
+          <p:cNvPr id="2" name="폭발: 8pt 1">
+            <a:extLst>
+              <a:ext uri="{FF2B5EF4-FFF2-40B4-BE49-F238E27FC236}">
+                <a16:creationId xmlns:a16="http://schemas.microsoft.com/office/drawing/2014/main" id="{146919FF-4479-C13C-6E98-15CF81756009}"/>
+              </a:ext>
+            </a:extLst>
+          </p:cNvPr>
+          <p:cNvSpPr/>
+          <p:nvPr/>
+        </p:nvSpPr>
+        <p:spPr>
+          <a:xfrm>
+            <a:off x="7947043" y="4621000"/>
+            <a:ext cx="1295629" cy="430941"/>
+          </a:xfrm>
+          <a:prstGeom prst="irregularSeal1">
+            <a:avLst/>
+          </a:prstGeom>
+          <a:solidFill>
+            <a:srgbClr val="C00000"/>
+          </a:solidFill>
+        </p:spPr>
+        <p:style>
+          <a:lnRef idx="2">
+            <a:schemeClr val="accent1">
+              <a:shade val="15000"/>
+            </a:schemeClr>
+          </a:lnRef>
+          <a:fillRef idx="1">
+            <a:schemeClr val="accent1"/>
+          </a:fillRef>
+          <a:effectRef idx="0">
+            <a:schemeClr val="accent1"/>
+          </a:effectRef>
+          <a:fontRef idx="minor">
+            <a:schemeClr val="lt1"/>
+          </a:fontRef>
+        </p:style>
+        <p:txBody>
+          <a:bodyPr rtlCol="0" anchor="ctr"/>
+          <a:lstStyle/>
+          <a:p>
+            <a:pPr algn="ctr"/>
+            <a:endParaRPr lang="ko-KR" altLang="en-US"/>
+          </a:p>
+        </p:txBody>
+      </p:sp>
+      <p:sp>
+        <p:nvSpPr>
+          <p:cNvPr id="3" name="TextBox 2">
+            <a:extLst>
+              <a:ext uri="{FF2B5EF4-FFF2-40B4-BE49-F238E27FC236}">
+                <a16:creationId xmlns:a16="http://schemas.microsoft.com/office/drawing/2014/main" id="{B47C3D0F-49A6-DD04-292C-8ABA3F5931FC}"/>
+              </a:ext>
+            </a:extLst>
+          </p:cNvPr>
+          <p:cNvSpPr txBox="1"/>
+          <p:nvPr/>
+        </p:nvSpPr>
+        <p:spPr>
+          <a:xfrm>
+            <a:off x="7159651" y="5419847"/>
+            <a:ext cx="2847254" cy="261610"/>
+          </a:xfrm>
+          <a:prstGeom prst="rect">
+            <a:avLst/>
+          </a:prstGeom>
+          <a:noFill/>
+        </p:spPr>
+        <p:txBody>
+          <a:bodyPr wrap="none" rtlCol="0">
+            <a:spAutoFit/>
+          </a:bodyPr>
+          <a:lstStyle/>
+          <a:p>
+            <a:r>
+              <a:rPr lang="ko-KR" altLang="en-US" sz="1100" dirty="0"/>
+              <a:t>장애발생 </a:t>
+            </a:r>
+            <a:r>
+              <a:rPr lang="en-US" altLang="ko-KR" sz="1100" dirty="0"/>
+              <a:t>or Upgrade </a:t>
+            </a:r>
+            <a:r>
+              <a:rPr lang="ko-KR" altLang="en-US" sz="1100" dirty="0"/>
+              <a:t>사유로 서비스 중지</a:t>
+            </a:r>
+          </a:p>
+        </p:txBody>
+      </p:sp>
+      <p:sp>
+        <p:nvSpPr>
+          <p:cNvPr id="9" name="TextBox 8">
+            <a:extLst>
+              <a:ext uri="{FF2B5EF4-FFF2-40B4-BE49-F238E27FC236}">
+                <a16:creationId xmlns:a16="http://schemas.microsoft.com/office/drawing/2014/main" id="{BD18BC95-9B01-2C0E-D331-329DDFCB3DB2}"/>
+              </a:ext>
+            </a:extLst>
+          </p:cNvPr>
+          <p:cNvSpPr txBox="1"/>
+          <p:nvPr/>
+        </p:nvSpPr>
+        <p:spPr>
+          <a:xfrm>
+            <a:off x="7229760" y="4302374"/>
+            <a:ext cx="953723" cy="276999"/>
+          </a:xfrm>
+          <a:prstGeom prst="rect">
+            <a:avLst/>
+          </a:prstGeom>
+          <a:noFill/>
+        </p:spPr>
+        <p:txBody>
+          <a:bodyPr wrap="none" rtlCol="0">
+            <a:spAutoFit/>
+          </a:bodyPr>
+          <a:lstStyle/>
+          <a:p>
+            <a:r>
+              <a:rPr lang="en-US" altLang="ko-KR" sz="1200" b="1" dirty="0">
+                <a:sym typeface="Wingdings" panose="05000000000000000000" pitchFamily="2" charset="2"/>
+              </a:rPr>
+              <a:t> Failover</a:t>
+            </a:r>
+            <a:endParaRPr lang="ko-KR" altLang="en-US" sz="1200" b="1" dirty="0"/>
+          </a:p>
+        </p:txBody>
+      </p:sp>
+    </p:spTree>
+    <p:extLst>
+      <p:ext uri="{BB962C8B-B14F-4D97-AF65-F5344CB8AC3E}">
+        <p14:creationId xmlns:p14="http://schemas.microsoft.com/office/powerpoint/2010/main" val="2873530967"/>
+      </p:ext>
+    </p:extLst>
+  </p:cSld>
+  <p:clrMapOvr>
+    <a:masterClrMapping/>
+  </p:clrMapOvr>
+</p:sld>
+</file>
+
+<file path=ppt/slides/slide11.xml><?xml version="1.0" encoding="utf-8"?>
+<p:sld xmlns:a="http://schemas.openxmlformats.org/drawingml/2006/main" xmlns:r="http://schemas.openxmlformats.org/officeDocument/2006/relationships" xmlns:p="http://schemas.openxmlformats.org/presentationml/2006/main">
+  <p:cSld>
+    <p:spTree>
+      <p:nvGrpSpPr>
+        <p:cNvPr id="1" name=""/>
+        <p:cNvGrpSpPr/>
+        <p:nvPr/>
+      </p:nvGrpSpPr>
+      <p:grpSpPr>
+        <a:xfrm>
+          <a:off x="0" y="0"/>
+          <a:ext cx="0" cy="0"/>
+          <a:chOff x="0" y="0"/>
+          <a:chExt cx="0" cy="0"/>
+        </a:xfrm>
+      </p:grpSpPr>
+      <p:pic>
+        <p:nvPicPr>
+          <p:cNvPr id="5" name="그림 4">
+            <a:extLst>
+              <a:ext uri="{FF2B5EF4-FFF2-40B4-BE49-F238E27FC236}">
+                <a16:creationId xmlns:a16="http://schemas.microsoft.com/office/drawing/2014/main" id="{E3C4AD99-9201-FEC7-E969-C2BE0FFDF295}"/>
+              </a:ext>
+            </a:extLst>
+          </p:cNvPr>
+          <p:cNvPicPr>
+            <a:picLocks noChangeAspect="1"/>
+          </p:cNvPicPr>
+          <p:nvPr/>
+        </p:nvPicPr>
+        <p:blipFill>
+          <a:blip r:embed="rId2"/>
+          <a:stretch>
+            <a:fillRect/>
+          </a:stretch>
+        </p:blipFill>
+        <p:spPr>
+          <a:xfrm>
+            <a:off x="1419962" y="1374470"/>
+            <a:ext cx="9352075" cy="4109060"/>
+          </a:xfrm>
+          <a:prstGeom prst="rect">
+            <a:avLst/>
+          </a:prstGeom>
+        </p:spPr>
+      </p:pic>
+    </p:spTree>
+    <p:extLst>
+      <p:ext uri="{BB962C8B-B14F-4D97-AF65-F5344CB8AC3E}">
+        <p14:creationId xmlns:p14="http://schemas.microsoft.com/office/powerpoint/2010/main" val="3240667038"/>
+      </p:ext>
+    </p:extLst>
+  </p:cSld>
+  <p:clrMapOvr>
+    <a:masterClrMapping/>
+  </p:clrMapOvr>
+</p:sld>
+</file>
+
+<file path=ppt/slides/slide12.xml><?xml version="1.0" encoding="utf-8"?>
+<p:sld xmlns:a="http://schemas.openxmlformats.org/drawingml/2006/main" xmlns:r="http://schemas.openxmlformats.org/officeDocument/2006/relationships" xmlns:p="http://schemas.openxmlformats.org/presentationml/2006/main">
+  <p:cSld>
+    <p:spTree>
+      <p:nvGrpSpPr>
+        <p:cNvPr id="1" name=""/>
+        <p:cNvGrpSpPr/>
+        <p:nvPr/>
+      </p:nvGrpSpPr>
+      <p:grpSpPr>
+        <a:xfrm>
+          <a:off x="0" y="0"/>
+          <a:ext cx="0" cy="0"/>
+          <a:chOff x="0" y="0"/>
+          <a:chExt cx="0" cy="0"/>
+        </a:xfrm>
+      </p:grpSpPr>
+      <p:sp>
+        <p:nvSpPr>
+          <p:cNvPr id="2" name="제목 1">
+            <a:extLst>
+              <a:ext uri="{FF2B5EF4-FFF2-40B4-BE49-F238E27FC236}">
+                <a16:creationId xmlns:a16="http://schemas.microsoft.com/office/drawing/2014/main" id="{17471942-96DC-A7F5-7270-C90F9BBF242C}"/>
+              </a:ext>
+            </a:extLst>
+          </p:cNvPr>
+          <p:cNvSpPr>
+            <a:spLocks noGrp="1"/>
+          </p:cNvSpPr>
+          <p:nvPr>
+            <p:ph type="title"/>
+          </p:nvPr>
+        </p:nvSpPr>
+        <p:spPr/>
+        <p:txBody>
+          <a:bodyPr/>
+          <a:lstStyle/>
+          <a:p>
+            <a:endParaRPr lang="ko-KR" altLang="en-US"/>
+          </a:p>
+        </p:txBody>
+      </p:sp>
+      <p:sp>
+        <p:nvSpPr>
+          <p:cNvPr id="3" name="내용 개체 틀 2">
+            <a:extLst>
+              <a:ext uri="{FF2B5EF4-FFF2-40B4-BE49-F238E27FC236}">
+                <a16:creationId xmlns:a16="http://schemas.microsoft.com/office/drawing/2014/main" id="{DADFA69B-C464-D419-5656-CDA8BADFC6FA}"/>
+              </a:ext>
+            </a:extLst>
+          </p:cNvPr>
+          <p:cNvSpPr>
+            <a:spLocks noGrp="1"/>
+          </p:cNvSpPr>
+          <p:nvPr>
+            <p:ph idx="1"/>
+          </p:nvPr>
+        </p:nvSpPr>
+        <p:spPr/>
+        <p:txBody>
+          <a:bodyPr/>
+          <a:lstStyle/>
+          <a:p>
+            <a:endParaRPr lang="ko-KR" altLang="en-US"/>
+          </a:p>
+        </p:txBody>
+      </p:sp>
+    </p:spTree>
+    <p:extLst>
+      <p:ext uri="{BB962C8B-B14F-4D97-AF65-F5344CB8AC3E}">
+        <p14:creationId xmlns:p14="http://schemas.microsoft.com/office/powerpoint/2010/main" val="480947005"/>
+      </p:ext>
+    </p:extLst>
+  </p:cSld>
+  <p:clrMapOvr>
+    <a:masterClrMapping/>
+  </p:clrMapOvr>
+</p:sld>
+</file>
+
 <file path=ppt/slides/slide2.xml><?xml version="1.0" encoding="utf-8"?>
 <p:sld xmlns:a="http://schemas.openxmlformats.org/drawingml/2006/main" xmlns:r="http://schemas.openxmlformats.org/officeDocument/2006/relationships" xmlns:p="http://schemas.openxmlformats.org/presentationml/2006/main">
   <p:cSld>
@@ -13338,40 +14481,927 @@
           <a:chExt cx="0" cy="0"/>
         </a:xfrm>
       </p:grpSpPr>
-      <p:pic>
-        <p:nvPicPr>
-          <p:cNvPr id="5" name="그림 4">
-            <a:extLst>
-              <a:ext uri="{FF2B5EF4-FFF2-40B4-BE49-F238E27FC236}">
-                <a16:creationId xmlns:a16="http://schemas.microsoft.com/office/drawing/2014/main" id="{0FCB7966-BCEB-B543-31C0-877FA663E344}"/>
-              </a:ext>
-            </a:extLst>
-          </p:cNvPr>
-          <p:cNvPicPr>
-            <a:picLocks noChangeAspect="1"/>
-          </p:cNvPicPr>
-          <p:nvPr/>
-        </p:nvPicPr>
-        <p:blipFill>
-          <a:blip r:embed="rId2"/>
-          <a:stretch>
-            <a:fillRect/>
-          </a:stretch>
-        </p:blipFill>
-        <p:spPr>
-          <a:xfrm>
-            <a:off x="1319370" y="1432387"/>
-            <a:ext cx="9553260" cy="3993226"/>
+      <p:sp>
+        <p:nvSpPr>
+          <p:cNvPr id="81" name="TextBox 80">
+            <a:extLst>
+              <a:ext uri="{FF2B5EF4-FFF2-40B4-BE49-F238E27FC236}">
+                <a16:creationId xmlns:a16="http://schemas.microsoft.com/office/drawing/2014/main" id="{9E1B6C9D-24FF-28AE-0B8F-E28DFD959D20}"/>
+              </a:ext>
+            </a:extLst>
+          </p:cNvPr>
+          <p:cNvSpPr txBox="1"/>
+          <p:nvPr/>
+        </p:nvSpPr>
+        <p:spPr>
+          <a:xfrm>
+            <a:off x="1351182" y="1675565"/>
+            <a:ext cx="4171014" cy="369332"/>
           </a:xfrm>
           <a:prstGeom prst="rect">
             <a:avLst/>
           </a:prstGeom>
-        </p:spPr>
-      </p:pic>
+          <a:noFill/>
+        </p:spPr>
+        <p:txBody>
+          <a:bodyPr wrap="none" rtlCol="0">
+            <a:spAutoFit/>
+          </a:bodyPr>
+          <a:lstStyle/>
+          <a:p>
+            <a:r>
+              <a:rPr lang="en-US" altLang="ko-KR" b="1" dirty="0"/>
+              <a:t>&lt; Multi Cluster Remote POD Call &gt;</a:t>
+            </a:r>
+            <a:endParaRPr lang="ko-KR" altLang="en-US" b="1" dirty="0"/>
+          </a:p>
+        </p:txBody>
+      </p:sp>
+      <p:sp>
+        <p:nvSpPr>
+          <p:cNvPr id="5" name="직사각형 4">
+            <a:extLst>
+              <a:ext uri="{FF2B5EF4-FFF2-40B4-BE49-F238E27FC236}">
+                <a16:creationId xmlns:a16="http://schemas.microsoft.com/office/drawing/2014/main" id="{AD465290-AD61-2F81-F9D7-15BF14FF5D49}"/>
+              </a:ext>
+            </a:extLst>
+          </p:cNvPr>
+          <p:cNvSpPr/>
+          <p:nvPr/>
+        </p:nvSpPr>
+        <p:spPr>
+          <a:xfrm>
+            <a:off x="6467760" y="2309381"/>
+            <a:ext cx="4178881" cy="3431020"/>
+          </a:xfrm>
+          <a:prstGeom prst="rect">
+            <a:avLst/>
+          </a:prstGeom>
+          <a:ln w="12700"/>
+        </p:spPr>
+        <p:style>
+          <a:lnRef idx="2">
+            <a:schemeClr val="dk1"/>
+          </a:lnRef>
+          <a:fillRef idx="1">
+            <a:schemeClr val="lt1"/>
+          </a:fillRef>
+          <a:effectRef idx="0">
+            <a:schemeClr val="dk1"/>
+          </a:effectRef>
+          <a:fontRef idx="minor">
+            <a:schemeClr val="dk1"/>
+          </a:fontRef>
+        </p:style>
+        <p:txBody>
+          <a:bodyPr rtlCol="0" anchor="ctr"/>
+          <a:lstStyle/>
+          <a:p>
+            <a:pPr algn="ctr"/>
+            <a:endParaRPr lang="ko-KR" altLang="en-US" sz="900" b="1" dirty="0"/>
+          </a:p>
+        </p:txBody>
+      </p:sp>
+      <p:sp>
+        <p:nvSpPr>
+          <p:cNvPr id="6" name="직사각형 5">
+            <a:extLst>
+              <a:ext uri="{FF2B5EF4-FFF2-40B4-BE49-F238E27FC236}">
+                <a16:creationId xmlns:a16="http://schemas.microsoft.com/office/drawing/2014/main" id="{E1387842-DBDA-DFDC-063D-C89BD9A25A07}"/>
+              </a:ext>
+            </a:extLst>
+          </p:cNvPr>
+          <p:cNvSpPr/>
+          <p:nvPr/>
+        </p:nvSpPr>
+        <p:spPr>
+          <a:xfrm>
+            <a:off x="1459132" y="2309380"/>
+            <a:ext cx="4291777" cy="3431020"/>
+          </a:xfrm>
+          <a:prstGeom prst="rect">
+            <a:avLst/>
+          </a:prstGeom>
+          <a:ln w="12700"/>
+        </p:spPr>
+        <p:style>
+          <a:lnRef idx="2">
+            <a:schemeClr val="dk1"/>
+          </a:lnRef>
+          <a:fillRef idx="1">
+            <a:schemeClr val="lt1"/>
+          </a:fillRef>
+          <a:effectRef idx="0">
+            <a:schemeClr val="dk1"/>
+          </a:effectRef>
+          <a:fontRef idx="minor">
+            <a:schemeClr val="dk1"/>
+          </a:fontRef>
+        </p:style>
+        <p:txBody>
+          <a:bodyPr rtlCol="0" anchor="ctr"/>
+          <a:lstStyle/>
+          <a:p>
+            <a:pPr algn="ctr"/>
+            <a:endParaRPr lang="ko-KR" altLang="en-US" sz="900" b="1" dirty="0"/>
+          </a:p>
+        </p:txBody>
+      </p:sp>
+      <p:sp>
+        <p:nvSpPr>
+          <p:cNvPr id="7" name="직사각형 6">
+            <a:extLst>
+              <a:ext uri="{FF2B5EF4-FFF2-40B4-BE49-F238E27FC236}">
+                <a16:creationId xmlns:a16="http://schemas.microsoft.com/office/drawing/2014/main" id="{4D000D24-6D01-925B-CA71-5E49DC3DAEB0}"/>
+              </a:ext>
+            </a:extLst>
+          </p:cNvPr>
+          <p:cNvSpPr/>
+          <p:nvPr/>
+        </p:nvSpPr>
+        <p:spPr>
+          <a:xfrm>
+            <a:off x="2797180" y="2647549"/>
+            <a:ext cx="1541616" cy="445455"/>
+          </a:xfrm>
+          <a:prstGeom prst="rect">
+            <a:avLst/>
+          </a:prstGeom>
+          <a:solidFill>
+            <a:schemeClr val="accent3">
+              <a:lumMod val="20000"/>
+              <a:lumOff val="80000"/>
+            </a:schemeClr>
+          </a:solidFill>
+        </p:spPr>
+        <p:style>
+          <a:lnRef idx="2">
+            <a:schemeClr val="dk1"/>
+          </a:lnRef>
+          <a:fillRef idx="1">
+            <a:schemeClr val="lt1"/>
+          </a:fillRef>
+          <a:effectRef idx="0">
+            <a:schemeClr val="dk1"/>
+          </a:effectRef>
+          <a:fontRef idx="minor">
+            <a:schemeClr val="dk1"/>
+          </a:fontRef>
+        </p:style>
+        <p:txBody>
+          <a:bodyPr rtlCol="0" anchor="ctr"/>
+          <a:lstStyle/>
+          <a:p>
+            <a:pPr algn="ctr"/>
+            <a:r>
+              <a:rPr lang="en-US" altLang="ko-KR" sz="1200" b="1" dirty="0"/>
+              <a:t>frontend</a:t>
+            </a:r>
+            <a:endParaRPr lang="ko-KR" altLang="en-US" sz="1200" dirty="0"/>
+          </a:p>
+        </p:txBody>
+      </p:sp>
+      <p:sp>
+        <p:nvSpPr>
+          <p:cNvPr id="19" name="직사각형 18">
+            <a:extLst>
+              <a:ext uri="{FF2B5EF4-FFF2-40B4-BE49-F238E27FC236}">
+                <a16:creationId xmlns:a16="http://schemas.microsoft.com/office/drawing/2014/main" id="{E3313498-30CB-52CB-39F9-E3BB6C22650E}"/>
+              </a:ext>
+            </a:extLst>
+          </p:cNvPr>
+          <p:cNvSpPr/>
+          <p:nvPr/>
+        </p:nvSpPr>
+        <p:spPr>
+          <a:xfrm>
+            <a:off x="2797180" y="3764997"/>
+            <a:ext cx="1541617" cy="445455"/>
+          </a:xfrm>
+          <a:prstGeom prst="rect">
+            <a:avLst/>
+          </a:prstGeom>
+          <a:solidFill>
+            <a:schemeClr val="accent5">
+              <a:lumMod val="20000"/>
+              <a:lumOff val="80000"/>
+            </a:schemeClr>
+          </a:solidFill>
+        </p:spPr>
+        <p:style>
+          <a:lnRef idx="2">
+            <a:schemeClr val="dk1"/>
+          </a:lnRef>
+          <a:fillRef idx="1">
+            <a:schemeClr val="lt1"/>
+          </a:fillRef>
+          <a:effectRef idx="0">
+            <a:schemeClr val="dk1"/>
+          </a:effectRef>
+          <a:fontRef idx="minor">
+            <a:schemeClr val="dk1"/>
+          </a:fontRef>
+        </p:style>
+        <p:txBody>
+          <a:bodyPr rtlCol="0" anchor="ctr"/>
+          <a:lstStyle/>
+          <a:p>
+            <a:pPr algn="ctr"/>
+            <a:r>
+              <a:rPr lang="en-US" altLang="ko-KR" sz="1200" b="1" dirty="0"/>
+              <a:t>Backend Service</a:t>
+            </a:r>
+            <a:endParaRPr lang="ko-KR" altLang="en-US" sz="1200" dirty="0"/>
+          </a:p>
+        </p:txBody>
+      </p:sp>
+      <p:sp>
+        <p:nvSpPr>
+          <p:cNvPr id="20" name="직사각형 19">
+            <a:extLst>
+              <a:ext uri="{FF2B5EF4-FFF2-40B4-BE49-F238E27FC236}">
+                <a16:creationId xmlns:a16="http://schemas.microsoft.com/office/drawing/2014/main" id="{BA13B296-4A9F-83EA-69DB-FEA0FD843959}"/>
+              </a:ext>
+            </a:extLst>
+          </p:cNvPr>
+          <p:cNvSpPr/>
+          <p:nvPr/>
+        </p:nvSpPr>
+        <p:spPr>
+          <a:xfrm>
+            <a:off x="1809137" y="4882445"/>
+            <a:ext cx="1541617" cy="445455"/>
+          </a:xfrm>
+          <a:prstGeom prst="rect">
+            <a:avLst/>
+          </a:prstGeom>
+          <a:solidFill>
+            <a:schemeClr val="accent5">
+              <a:lumMod val="20000"/>
+              <a:lumOff val="80000"/>
+            </a:schemeClr>
+          </a:solidFill>
+        </p:spPr>
+        <p:style>
+          <a:lnRef idx="2">
+            <a:schemeClr val="dk1"/>
+          </a:lnRef>
+          <a:fillRef idx="1">
+            <a:schemeClr val="lt1"/>
+          </a:fillRef>
+          <a:effectRef idx="0">
+            <a:schemeClr val="dk1"/>
+          </a:effectRef>
+          <a:fontRef idx="minor">
+            <a:schemeClr val="dk1"/>
+          </a:fontRef>
+        </p:style>
+        <p:txBody>
+          <a:bodyPr rtlCol="0" anchor="ctr"/>
+          <a:lstStyle/>
+          <a:p>
+            <a:pPr algn="ctr"/>
+            <a:r>
+              <a:rPr lang="en-US" altLang="ko-KR" sz="1200" b="1" dirty="0"/>
+              <a:t>backend-pod-1</a:t>
+            </a:r>
+          </a:p>
+          <a:p>
+            <a:pPr algn="ctr"/>
+            <a:r>
+              <a:rPr lang="en-US" altLang="ko-KR" sz="1200" b="1" dirty="0"/>
+              <a:t>10.0.0.1</a:t>
+            </a:r>
+            <a:endParaRPr lang="ko-KR" altLang="en-US" sz="1200" dirty="0"/>
+          </a:p>
+        </p:txBody>
+      </p:sp>
+      <p:sp>
+        <p:nvSpPr>
+          <p:cNvPr id="21" name="직사각형 20">
+            <a:extLst>
+              <a:ext uri="{FF2B5EF4-FFF2-40B4-BE49-F238E27FC236}">
+                <a16:creationId xmlns:a16="http://schemas.microsoft.com/office/drawing/2014/main" id="{27B5E20E-E132-E8BF-72BB-4667E9B5179A}"/>
+              </a:ext>
+            </a:extLst>
+          </p:cNvPr>
+          <p:cNvSpPr/>
+          <p:nvPr/>
+        </p:nvSpPr>
+        <p:spPr>
+          <a:xfrm>
+            <a:off x="3883414" y="4882444"/>
+            <a:ext cx="1541617" cy="445455"/>
+          </a:xfrm>
+          <a:prstGeom prst="rect">
+            <a:avLst/>
+          </a:prstGeom>
+          <a:solidFill>
+            <a:schemeClr val="accent5">
+              <a:lumMod val="20000"/>
+              <a:lumOff val="80000"/>
+            </a:schemeClr>
+          </a:solidFill>
+        </p:spPr>
+        <p:style>
+          <a:lnRef idx="2">
+            <a:schemeClr val="dk1"/>
+          </a:lnRef>
+          <a:fillRef idx="1">
+            <a:schemeClr val="lt1"/>
+          </a:fillRef>
+          <a:effectRef idx="0">
+            <a:schemeClr val="dk1"/>
+          </a:effectRef>
+          <a:fontRef idx="minor">
+            <a:schemeClr val="dk1"/>
+          </a:fontRef>
+        </p:style>
+        <p:txBody>
+          <a:bodyPr rtlCol="0" anchor="ctr"/>
+          <a:lstStyle/>
+          <a:p>
+            <a:pPr algn="ctr"/>
+            <a:r>
+              <a:rPr lang="en-US" altLang="ko-KR" sz="1200" b="1" dirty="0"/>
+              <a:t>backend-pod-2</a:t>
+            </a:r>
+          </a:p>
+          <a:p>
+            <a:pPr algn="ctr"/>
+            <a:r>
+              <a:rPr lang="en-US" altLang="ko-KR" sz="1200" b="1" dirty="0"/>
+              <a:t>10.0.0.2</a:t>
+            </a:r>
+            <a:endParaRPr lang="ko-KR" altLang="en-US" sz="1200" dirty="0"/>
+          </a:p>
+        </p:txBody>
+      </p:sp>
+      <p:cxnSp>
+        <p:nvCxnSpPr>
+          <p:cNvPr id="22" name="직선 화살표 연결선 21">
+            <a:extLst>
+              <a:ext uri="{FF2B5EF4-FFF2-40B4-BE49-F238E27FC236}">
+                <a16:creationId xmlns:a16="http://schemas.microsoft.com/office/drawing/2014/main" id="{8501CFEB-8FE0-EE74-61AA-6875ED3A0F51}"/>
+              </a:ext>
+            </a:extLst>
+          </p:cNvPr>
+          <p:cNvCxnSpPr>
+            <a:cxnSpLocks/>
+            <a:stCxn id="7" idx="2"/>
+            <a:endCxn id="19" idx="0"/>
+          </p:cNvCxnSpPr>
+          <p:nvPr/>
+        </p:nvCxnSpPr>
+        <p:spPr>
+          <a:xfrm>
+            <a:off x="3567988" y="3093004"/>
+            <a:ext cx="1" cy="671993"/>
+          </a:xfrm>
+          <a:prstGeom prst="straightConnector1">
+            <a:avLst/>
+          </a:prstGeom>
+          <a:ln w="19050">
+            <a:tailEnd type="triangle"/>
+          </a:ln>
+        </p:spPr>
+        <p:style>
+          <a:lnRef idx="2">
+            <a:schemeClr val="dk1"/>
+          </a:lnRef>
+          <a:fillRef idx="0">
+            <a:schemeClr val="dk1"/>
+          </a:fillRef>
+          <a:effectRef idx="1">
+            <a:schemeClr val="dk1"/>
+          </a:effectRef>
+          <a:fontRef idx="minor">
+            <a:schemeClr val="tx1"/>
+          </a:fontRef>
+        </p:style>
+      </p:cxnSp>
+      <p:cxnSp>
+        <p:nvCxnSpPr>
+          <p:cNvPr id="23" name="연결선: 꺾임 22">
+            <a:extLst>
+              <a:ext uri="{FF2B5EF4-FFF2-40B4-BE49-F238E27FC236}">
+                <a16:creationId xmlns:a16="http://schemas.microsoft.com/office/drawing/2014/main" id="{856FD10B-7BB3-F1C4-2D37-33CE5F85A120}"/>
+              </a:ext>
+            </a:extLst>
+          </p:cNvPr>
+          <p:cNvCxnSpPr>
+            <a:stCxn id="19" idx="2"/>
+            <a:endCxn id="20" idx="0"/>
+          </p:cNvCxnSpPr>
+          <p:nvPr/>
+        </p:nvCxnSpPr>
+        <p:spPr>
+          <a:xfrm rot="5400000">
+            <a:off x="2737972" y="4052427"/>
+            <a:ext cx="671993" cy="988043"/>
+          </a:xfrm>
+          <a:prstGeom prst="bentConnector3">
+            <a:avLst/>
+          </a:prstGeom>
+          <a:ln>
+            <a:solidFill>
+              <a:schemeClr val="tx1"/>
+            </a:solidFill>
+            <a:tailEnd type="triangle"/>
+          </a:ln>
+        </p:spPr>
+        <p:style>
+          <a:lnRef idx="2">
+            <a:schemeClr val="accent1"/>
+          </a:lnRef>
+          <a:fillRef idx="0">
+            <a:schemeClr val="accent1"/>
+          </a:fillRef>
+          <a:effectRef idx="1">
+            <a:schemeClr val="accent1"/>
+          </a:effectRef>
+          <a:fontRef idx="minor">
+            <a:schemeClr val="tx1"/>
+          </a:fontRef>
+        </p:style>
+      </p:cxnSp>
+      <p:cxnSp>
+        <p:nvCxnSpPr>
+          <p:cNvPr id="24" name="연결선: 꺾임 23">
+            <a:extLst>
+              <a:ext uri="{FF2B5EF4-FFF2-40B4-BE49-F238E27FC236}">
+                <a16:creationId xmlns:a16="http://schemas.microsoft.com/office/drawing/2014/main" id="{5B9B80B4-917B-4C59-0290-0300DC809940}"/>
+              </a:ext>
+            </a:extLst>
+          </p:cNvPr>
+          <p:cNvCxnSpPr>
+            <a:cxnSpLocks/>
+            <a:stCxn id="19" idx="2"/>
+            <a:endCxn id="21" idx="0"/>
+          </p:cNvCxnSpPr>
+          <p:nvPr/>
+        </p:nvCxnSpPr>
+        <p:spPr>
+          <a:xfrm rot="16200000" flipH="1">
+            <a:off x="3775110" y="4003331"/>
+            <a:ext cx="671992" cy="1086234"/>
+          </a:xfrm>
+          <a:prstGeom prst="bentConnector3">
+            <a:avLst>
+              <a:gd name="adj1" fmla="val 50000"/>
+            </a:avLst>
+          </a:prstGeom>
+          <a:ln>
+            <a:solidFill>
+              <a:schemeClr val="tx1"/>
+            </a:solidFill>
+            <a:tailEnd type="triangle"/>
+          </a:ln>
+        </p:spPr>
+        <p:style>
+          <a:lnRef idx="2">
+            <a:schemeClr val="accent1"/>
+          </a:lnRef>
+          <a:fillRef idx="0">
+            <a:schemeClr val="accent1"/>
+          </a:fillRef>
+          <a:effectRef idx="1">
+            <a:schemeClr val="accent1"/>
+          </a:effectRef>
+          <a:fontRef idx="minor">
+            <a:schemeClr val="tx1"/>
+          </a:fontRef>
+        </p:style>
+      </p:cxnSp>
+      <p:sp>
+        <p:nvSpPr>
+          <p:cNvPr id="28" name="직사각형 27">
+            <a:extLst>
+              <a:ext uri="{FF2B5EF4-FFF2-40B4-BE49-F238E27FC236}">
+                <a16:creationId xmlns:a16="http://schemas.microsoft.com/office/drawing/2014/main" id="{66F518B3-4CAC-0D0D-63A5-D2B1FC6E0A73}"/>
+              </a:ext>
+            </a:extLst>
+          </p:cNvPr>
+          <p:cNvSpPr/>
+          <p:nvPr/>
+        </p:nvSpPr>
+        <p:spPr>
+          <a:xfrm>
+            <a:off x="7755012" y="3764997"/>
+            <a:ext cx="1541617" cy="445455"/>
+          </a:xfrm>
+          <a:prstGeom prst="rect">
+            <a:avLst/>
+          </a:prstGeom>
+          <a:solidFill>
+            <a:schemeClr val="accent5">
+              <a:lumMod val="20000"/>
+              <a:lumOff val="80000"/>
+            </a:schemeClr>
+          </a:solidFill>
+        </p:spPr>
+        <p:style>
+          <a:lnRef idx="2">
+            <a:schemeClr val="dk1"/>
+          </a:lnRef>
+          <a:fillRef idx="1">
+            <a:schemeClr val="lt1"/>
+          </a:fillRef>
+          <a:effectRef idx="0">
+            <a:schemeClr val="dk1"/>
+          </a:effectRef>
+          <a:fontRef idx="minor">
+            <a:schemeClr val="dk1"/>
+          </a:fontRef>
+        </p:style>
+        <p:txBody>
+          <a:bodyPr rtlCol="0" anchor="ctr"/>
+          <a:lstStyle/>
+          <a:p>
+            <a:pPr algn="ctr"/>
+            <a:r>
+              <a:rPr lang="en-US" altLang="ko-KR" sz="1200" b="1" dirty="0"/>
+              <a:t>Backend Service</a:t>
+            </a:r>
+            <a:endParaRPr lang="ko-KR" altLang="en-US" sz="1200" dirty="0"/>
+          </a:p>
+        </p:txBody>
+      </p:sp>
+      <p:sp>
+        <p:nvSpPr>
+          <p:cNvPr id="29" name="직사각형 28">
+            <a:extLst>
+              <a:ext uri="{FF2B5EF4-FFF2-40B4-BE49-F238E27FC236}">
+                <a16:creationId xmlns:a16="http://schemas.microsoft.com/office/drawing/2014/main" id="{1F7CB7FF-9926-B36D-0CBB-CC77519A34DA}"/>
+              </a:ext>
+            </a:extLst>
+          </p:cNvPr>
+          <p:cNvSpPr/>
+          <p:nvPr/>
+        </p:nvSpPr>
+        <p:spPr>
+          <a:xfrm>
+            <a:off x="6766969" y="4882445"/>
+            <a:ext cx="1541617" cy="445455"/>
+          </a:xfrm>
+          <a:prstGeom prst="rect">
+            <a:avLst/>
+          </a:prstGeom>
+          <a:solidFill>
+            <a:schemeClr val="accent5">
+              <a:lumMod val="20000"/>
+              <a:lumOff val="80000"/>
+            </a:schemeClr>
+          </a:solidFill>
+        </p:spPr>
+        <p:style>
+          <a:lnRef idx="2">
+            <a:schemeClr val="dk1"/>
+          </a:lnRef>
+          <a:fillRef idx="1">
+            <a:schemeClr val="lt1"/>
+          </a:fillRef>
+          <a:effectRef idx="0">
+            <a:schemeClr val="dk1"/>
+          </a:effectRef>
+          <a:fontRef idx="minor">
+            <a:schemeClr val="dk1"/>
+          </a:fontRef>
+        </p:style>
+        <p:txBody>
+          <a:bodyPr rtlCol="0" anchor="ctr"/>
+          <a:lstStyle/>
+          <a:p>
+            <a:pPr algn="ctr"/>
+            <a:r>
+              <a:rPr lang="en-US" altLang="ko-KR" sz="1200" b="1" dirty="0"/>
+              <a:t>backend-pod-1</a:t>
+            </a:r>
+          </a:p>
+          <a:p>
+            <a:pPr algn="ctr"/>
+            <a:r>
+              <a:rPr lang="en-US" altLang="ko-KR" sz="1200" b="1" dirty="0"/>
+              <a:t>10.1.0.1</a:t>
+            </a:r>
+            <a:endParaRPr lang="ko-KR" altLang="en-US" sz="1200" dirty="0"/>
+          </a:p>
+        </p:txBody>
+      </p:sp>
+      <p:sp>
+        <p:nvSpPr>
+          <p:cNvPr id="30" name="직사각형 29">
+            <a:extLst>
+              <a:ext uri="{FF2B5EF4-FFF2-40B4-BE49-F238E27FC236}">
+                <a16:creationId xmlns:a16="http://schemas.microsoft.com/office/drawing/2014/main" id="{13165C8D-3ABD-FA15-C170-AB12C6E89B50}"/>
+              </a:ext>
+            </a:extLst>
+          </p:cNvPr>
+          <p:cNvSpPr/>
+          <p:nvPr/>
+        </p:nvSpPr>
+        <p:spPr>
+          <a:xfrm>
+            <a:off x="8841246" y="4882444"/>
+            <a:ext cx="1541617" cy="445455"/>
+          </a:xfrm>
+          <a:prstGeom prst="rect">
+            <a:avLst/>
+          </a:prstGeom>
+          <a:solidFill>
+            <a:schemeClr val="accent5">
+              <a:lumMod val="20000"/>
+              <a:lumOff val="80000"/>
+            </a:schemeClr>
+          </a:solidFill>
+        </p:spPr>
+        <p:style>
+          <a:lnRef idx="2">
+            <a:schemeClr val="dk1"/>
+          </a:lnRef>
+          <a:fillRef idx="1">
+            <a:schemeClr val="lt1"/>
+          </a:fillRef>
+          <a:effectRef idx="0">
+            <a:schemeClr val="dk1"/>
+          </a:effectRef>
+          <a:fontRef idx="minor">
+            <a:schemeClr val="dk1"/>
+          </a:fontRef>
+        </p:style>
+        <p:txBody>
+          <a:bodyPr rtlCol="0" anchor="ctr"/>
+          <a:lstStyle/>
+          <a:p>
+            <a:pPr algn="ctr"/>
+            <a:r>
+              <a:rPr lang="en-US" altLang="ko-KR" sz="1200" b="1" dirty="0"/>
+              <a:t>backend-pod-2</a:t>
+            </a:r>
+          </a:p>
+          <a:p>
+            <a:pPr algn="ctr"/>
+            <a:r>
+              <a:rPr lang="en-US" altLang="ko-KR" sz="1200" b="1" dirty="0"/>
+              <a:t>10.1.0.2</a:t>
+            </a:r>
+            <a:endParaRPr lang="ko-KR" altLang="en-US" sz="1200" dirty="0"/>
+          </a:p>
+        </p:txBody>
+      </p:sp>
+      <p:cxnSp>
+        <p:nvCxnSpPr>
+          <p:cNvPr id="31" name="연결선: 꺾임 30">
+            <a:extLst>
+              <a:ext uri="{FF2B5EF4-FFF2-40B4-BE49-F238E27FC236}">
+                <a16:creationId xmlns:a16="http://schemas.microsoft.com/office/drawing/2014/main" id="{89F69423-C4B9-7702-493B-BAF3B6A0ADF0}"/>
+              </a:ext>
+            </a:extLst>
+          </p:cNvPr>
+          <p:cNvCxnSpPr>
+            <a:stCxn id="28" idx="2"/>
+            <a:endCxn id="29" idx="0"/>
+          </p:cNvCxnSpPr>
+          <p:nvPr/>
+        </p:nvCxnSpPr>
+        <p:spPr>
+          <a:xfrm rot="5400000">
+            <a:off x="7695804" y="4052427"/>
+            <a:ext cx="671993" cy="988043"/>
+          </a:xfrm>
+          <a:prstGeom prst="bentConnector3">
+            <a:avLst/>
+          </a:prstGeom>
+          <a:ln>
+            <a:solidFill>
+              <a:schemeClr val="tx1"/>
+            </a:solidFill>
+            <a:tailEnd type="triangle"/>
+          </a:ln>
+        </p:spPr>
+        <p:style>
+          <a:lnRef idx="2">
+            <a:schemeClr val="accent1"/>
+          </a:lnRef>
+          <a:fillRef idx="0">
+            <a:schemeClr val="accent1"/>
+          </a:fillRef>
+          <a:effectRef idx="1">
+            <a:schemeClr val="accent1"/>
+          </a:effectRef>
+          <a:fontRef idx="minor">
+            <a:schemeClr val="tx1"/>
+          </a:fontRef>
+        </p:style>
+      </p:cxnSp>
+      <p:cxnSp>
+        <p:nvCxnSpPr>
+          <p:cNvPr id="32" name="연결선: 꺾임 31">
+            <a:extLst>
+              <a:ext uri="{FF2B5EF4-FFF2-40B4-BE49-F238E27FC236}">
+                <a16:creationId xmlns:a16="http://schemas.microsoft.com/office/drawing/2014/main" id="{B5D3E298-0BB2-A009-D534-DFC045DE02FF}"/>
+              </a:ext>
+            </a:extLst>
+          </p:cNvPr>
+          <p:cNvCxnSpPr>
+            <a:cxnSpLocks/>
+            <a:stCxn id="28" idx="2"/>
+            <a:endCxn id="30" idx="0"/>
+          </p:cNvCxnSpPr>
+          <p:nvPr/>
+        </p:nvCxnSpPr>
+        <p:spPr>
+          <a:xfrm rot="16200000" flipH="1">
+            <a:off x="8732942" y="4003331"/>
+            <a:ext cx="671992" cy="1086234"/>
+          </a:xfrm>
+          <a:prstGeom prst="bentConnector3">
+            <a:avLst>
+              <a:gd name="adj1" fmla="val 50000"/>
+            </a:avLst>
+          </a:prstGeom>
+          <a:ln>
+            <a:solidFill>
+              <a:schemeClr val="tx1"/>
+            </a:solidFill>
+            <a:tailEnd type="triangle"/>
+          </a:ln>
+        </p:spPr>
+        <p:style>
+          <a:lnRef idx="2">
+            <a:schemeClr val="accent1"/>
+          </a:lnRef>
+          <a:fillRef idx="0">
+            <a:schemeClr val="accent1"/>
+          </a:fillRef>
+          <a:effectRef idx="1">
+            <a:schemeClr val="accent1"/>
+          </a:effectRef>
+          <a:fontRef idx="minor">
+            <a:schemeClr val="tx1"/>
+          </a:fontRef>
+        </p:style>
+      </p:cxnSp>
+      <p:cxnSp>
+        <p:nvCxnSpPr>
+          <p:cNvPr id="33" name="연결선: 꺾임 32">
+            <a:extLst>
+              <a:ext uri="{FF2B5EF4-FFF2-40B4-BE49-F238E27FC236}">
+                <a16:creationId xmlns:a16="http://schemas.microsoft.com/office/drawing/2014/main" id="{08D3A46F-81A8-4B8E-CD44-469ACA83A02E}"/>
+              </a:ext>
+            </a:extLst>
+          </p:cNvPr>
+          <p:cNvCxnSpPr>
+            <a:cxnSpLocks/>
+            <a:stCxn id="19" idx="2"/>
+            <a:endCxn id="29" idx="0"/>
+          </p:cNvCxnSpPr>
+          <p:nvPr/>
+        </p:nvCxnSpPr>
+        <p:spPr>
+          <a:xfrm rot="16200000" flipH="1">
+            <a:off x="5216887" y="2561553"/>
+            <a:ext cx="671993" cy="3969789"/>
+          </a:xfrm>
+          <a:prstGeom prst="bentConnector3">
+            <a:avLst>
+              <a:gd name="adj1" fmla="val 50000"/>
+            </a:avLst>
+          </a:prstGeom>
+          <a:ln>
+            <a:solidFill>
+              <a:schemeClr val="tx1"/>
+            </a:solidFill>
+            <a:tailEnd type="triangle"/>
+          </a:ln>
+        </p:spPr>
+        <p:style>
+          <a:lnRef idx="2">
+            <a:schemeClr val="accent1"/>
+          </a:lnRef>
+          <a:fillRef idx="0">
+            <a:schemeClr val="accent1"/>
+          </a:fillRef>
+          <a:effectRef idx="1">
+            <a:schemeClr val="accent1"/>
+          </a:effectRef>
+          <a:fontRef idx="minor">
+            <a:schemeClr val="tx1"/>
+          </a:fontRef>
+        </p:style>
+      </p:cxnSp>
+      <p:sp>
+        <p:nvSpPr>
+          <p:cNvPr id="35" name="직사각형 34">
+            <a:extLst>
+              <a:ext uri="{FF2B5EF4-FFF2-40B4-BE49-F238E27FC236}">
+                <a16:creationId xmlns:a16="http://schemas.microsoft.com/office/drawing/2014/main" id="{371E08F6-E9E2-E321-3979-2DAB127E9E8E}"/>
+              </a:ext>
+            </a:extLst>
+          </p:cNvPr>
+          <p:cNvSpPr/>
+          <p:nvPr/>
+        </p:nvSpPr>
+        <p:spPr>
+          <a:xfrm>
+            <a:off x="6468263" y="2310192"/>
+            <a:ext cx="845127" cy="285750"/>
+          </a:xfrm>
+          <a:prstGeom prst="rect">
+            <a:avLst/>
+          </a:prstGeom>
+          <a:solidFill>
+            <a:schemeClr val="bg1">
+              <a:lumMod val="85000"/>
+            </a:schemeClr>
+          </a:solidFill>
+          <a:ln w="12700"/>
+        </p:spPr>
+        <p:style>
+          <a:lnRef idx="2">
+            <a:schemeClr val="dk1"/>
+          </a:lnRef>
+          <a:fillRef idx="1">
+            <a:schemeClr val="lt1"/>
+          </a:fillRef>
+          <a:effectRef idx="0">
+            <a:schemeClr val="dk1"/>
+          </a:effectRef>
+          <a:fontRef idx="minor">
+            <a:schemeClr val="dk1"/>
+          </a:fontRef>
+        </p:style>
+        <p:txBody>
+          <a:bodyPr rtlCol="0" anchor="ctr"/>
+          <a:lstStyle/>
+          <a:p>
+            <a:pPr algn="ctr"/>
+            <a:r>
+              <a:rPr lang="en-US" altLang="ko-KR" sz="900" b="1" dirty="0"/>
+              <a:t>Cluster2</a:t>
+            </a:r>
+            <a:endParaRPr lang="ko-KR" altLang="en-US" sz="900" b="1" dirty="0"/>
+          </a:p>
+        </p:txBody>
+      </p:sp>
+      <p:sp>
+        <p:nvSpPr>
+          <p:cNvPr id="36" name="직사각형 35">
+            <a:extLst>
+              <a:ext uri="{FF2B5EF4-FFF2-40B4-BE49-F238E27FC236}">
+                <a16:creationId xmlns:a16="http://schemas.microsoft.com/office/drawing/2014/main" id="{914CCCE7-9A05-30EA-2CDE-332983A43D93}"/>
+              </a:ext>
+            </a:extLst>
+          </p:cNvPr>
+          <p:cNvSpPr/>
+          <p:nvPr/>
+        </p:nvSpPr>
+        <p:spPr>
+          <a:xfrm>
+            <a:off x="1459635" y="2310192"/>
+            <a:ext cx="845127" cy="285750"/>
+          </a:xfrm>
+          <a:prstGeom prst="rect">
+            <a:avLst/>
+          </a:prstGeom>
+          <a:solidFill>
+            <a:schemeClr val="bg1">
+              <a:lumMod val="85000"/>
+            </a:schemeClr>
+          </a:solidFill>
+          <a:ln w="12700"/>
+        </p:spPr>
+        <p:style>
+          <a:lnRef idx="2">
+            <a:schemeClr val="dk1"/>
+          </a:lnRef>
+          <a:fillRef idx="1">
+            <a:schemeClr val="lt1"/>
+          </a:fillRef>
+          <a:effectRef idx="0">
+            <a:schemeClr val="dk1"/>
+          </a:effectRef>
+          <a:fontRef idx="minor">
+            <a:schemeClr val="dk1"/>
+          </a:fontRef>
+        </p:style>
+        <p:txBody>
+          <a:bodyPr rtlCol="0" anchor="ctr"/>
+          <a:lstStyle/>
+          <a:p>
+            <a:pPr algn="ctr"/>
+            <a:r>
+              <a:rPr lang="en-US" altLang="ko-KR" sz="900" b="1" dirty="0"/>
+              <a:t>Cluster1</a:t>
+            </a:r>
+            <a:endParaRPr lang="ko-KR" altLang="en-US" sz="900" b="1" dirty="0"/>
+          </a:p>
+        </p:txBody>
+      </p:sp>
     </p:spTree>
     <p:extLst>
       <p:ext uri="{BB962C8B-B14F-4D97-AF65-F5344CB8AC3E}">
-        <p14:creationId xmlns:p14="http://schemas.microsoft.com/office/powerpoint/2010/main" val="2823689395"/>
+        <p14:creationId xmlns:p14="http://schemas.microsoft.com/office/powerpoint/2010/main" val="1382850337"/>
       </p:ext>
     </p:extLst>
   </p:cSld>
@@ -13398,60 +15428,40 @@
           <a:chExt cx="0" cy="0"/>
         </a:xfrm>
       </p:grpSpPr>
-      <p:sp>
-        <p:nvSpPr>
-          <p:cNvPr id="2" name="제목 1">
-            <a:extLst>
-              <a:ext uri="{FF2B5EF4-FFF2-40B4-BE49-F238E27FC236}">
-                <a16:creationId xmlns:a16="http://schemas.microsoft.com/office/drawing/2014/main" id="{17471942-96DC-A7F5-7270-C90F9BBF242C}"/>
-              </a:ext>
-            </a:extLst>
-          </p:cNvPr>
-          <p:cNvSpPr>
-            <a:spLocks noGrp="1"/>
-          </p:cNvSpPr>
-          <p:nvPr>
-            <p:ph type="title"/>
-          </p:nvPr>
-        </p:nvSpPr>
-        <p:spPr/>
-        <p:txBody>
-          <a:bodyPr/>
-          <a:lstStyle/>
-          <a:p>
-            <a:endParaRPr lang="ko-KR" altLang="en-US"/>
-          </a:p>
-        </p:txBody>
-      </p:sp>
-      <p:sp>
-        <p:nvSpPr>
-          <p:cNvPr id="3" name="내용 개체 틀 2">
-            <a:extLst>
-              <a:ext uri="{FF2B5EF4-FFF2-40B4-BE49-F238E27FC236}">
-                <a16:creationId xmlns:a16="http://schemas.microsoft.com/office/drawing/2014/main" id="{DADFA69B-C464-D419-5656-CDA8BADFC6FA}"/>
-              </a:ext>
-            </a:extLst>
-          </p:cNvPr>
-          <p:cNvSpPr>
-            <a:spLocks noGrp="1"/>
-          </p:cNvSpPr>
-          <p:nvPr>
-            <p:ph idx="1"/>
-          </p:nvPr>
-        </p:nvSpPr>
-        <p:spPr/>
-        <p:txBody>
-          <a:bodyPr/>
-          <a:lstStyle/>
-          <a:p>
-            <a:endParaRPr lang="ko-KR" altLang="en-US"/>
-          </a:p>
-        </p:txBody>
-      </p:sp>
+      <p:pic>
+        <p:nvPicPr>
+          <p:cNvPr id="31" name="그림 30">
+            <a:extLst>
+              <a:ext uri="{FF2B5EF4-FFF2-40B4-BE49-F238E27FC236}">
+                <a16:creationId xmlns:a16="http://schemas.microsoft.com/office/drawing/2014/main" id="{9354EAB5-230D-5A27-252E-03BE537E5942}"/>
+              </a:ext>
+            </a:extLst>
+          </p:cNvPr>
+          <p:cNvPicPr>
+            <a:picLocks noChangeAspect="1"/>
+          </p:cNvPicPr>
+          <p:nvPr/>
+        </p:nvPicPr>
+        <p:blipFill>
+          <a:blip r:embed="rId2"/>
+          <a:stretch>
+            <a:fillRect/>
+          </a:stretch>
+        </p:blipFill>
+        <p:spPr>
+          <a:xfrm>
+            <a:off x="1419962" y="1374470"/>
+            <a:ext cx="9352075" cy="4109060"/>
+          </a:xfrm>
+          <a:prstGeom prst="rect">
+            <a:avLst/>
+          </a:prstGeom>
+        </p:spPr>
+      </p:pic>
     </p:spTree>
     <p:extLst>
       <p:ext uri="{BB962C8B-B14F-4D97-AF65-F5344CB8AC3E}">
-        <p14:creationId xmlns:p14="http://schemas.microsoft.com/office/powerpoint/2010/main" val="480947005"/>
+        <p14:creationId xmlns:p14="http://schemas.microsoft.com/office/powerpoint/2010/main" val="1436691842"/>
       </p:ext>
     </p:extLst>
   </p:cSld>
